--- a/Manuscript/final-manuscript-edits/manuscript-figures_v2.1.pptx
+++ b/Manuscript/final-manuscript-edits/manuscript-figures_v2.1.pptx
@@ -1197,7 +1197,7 @@
           <a:p>
             <a:fld id="{47110974-3B57-9045-8C0B-9FCC2C3E58EA}" type="datetimeFigureOut">
               <a:rPr lang="en-US" smtClean="0"/>
-              <a:t>6/20/2025</a:t>
+              <a:t>7/3/25</a:t>
             </a:fld>
             <a:endParaRPr lang="en-US"/>
           </a:p>
@@ -1526,11 +1526,11 @@
               <a:defRPr/>
             </a:pPr>
             <a:r>
-              <a:rPr lang="en-US"/>
+              <a:rPr lang="en-US" dirty="0"/>
               <a:t>Figure 1. </a:t>
             </a:r>
             <a:r>
-              <a:rPr lang="en-US" sz="1200" b="0" i="0" u="none" strike="noStrike" kern="1200">
+              <a:rPr lang="en-US" sz="1200" b="0" i="0" u="none" strike="noStrike" kern="1200" dirty="0">
                 <a:solidFill>
                   <a:schemeClr val="tx1"/>
                 </a:solidFill>
@@ -1541,10 +1541,10 @@
               </a:rPr>
               <a:t>Results from the nonmetric multidimensional scaling (NMDS) analyses. Symbols represent individual plots in 2024 distributed according to taxonomic composition weighted by cover. Vectors indicate correlation between number of species with each trait and NMDS axes.</a:t>
             </a:r>
-            <a:endParaRPr lang="en-US"/>
+            <a:endParaRPr lang="en-US" dirty="0"/>
           </a:p>
           <a:p>
-            <a:endParaRPr lang="en-US"/>
+            <a:endParaRPr lang="en-US" dirty="0"/>
           </a:p>
         </p:txBody>
       </p:sp>
@@ -2638,7 +2638,7 @@
           <a:p>
             <a:fld id="{04CB633A-E87A-6245-A329-A0CCD490BB75}" type="datetimeFigureOut">
               <a:rPr lang="en-US" smtClean="0"/>
-              <a:t>6/20/2025</a:t>
+              <a:t>7/3/25</a:t>
             </a:fld>
             <a:endParaRPr lang="en-US"/>
           </a:p>
@@ -2836,7 +2836,7 @@
           <a:p>
             <a:fld id="{04CB633A-E87A-6245-A329-A0CCD490BB75}" type="datetimeFigureOut">
               <a:rPr lang="en-US" smtClean="0"/>
-              <a:t>6/20/2025</a:t>
+              <a:t>7/3/25</a:t>
             </a:fld>
             <a:endParaRPr lang="en-US"/>
           </a:p>
@@ -3044,7 +3044,7 @@
           <a:p>
             <a:fld id="{04CB633A-E87A-6245-A329-A0CCD490BB75}" type="datetimeFigureOut">
               <a:rPr lang="en-US" smtClean="0"/>
-              <a:t>6/20/2025</a:t>
+              <a:t>7/3/25</a:t>
             </a:fld>
             <a:endParaRPr lang="en-US"/>
           </a:p>
@@ -3242,7 +3242,7 @@
           <a:p>
             <a:fld id="{04CB633A-E87A-6245-A329-A0CCD490BB75}" type="datetimeFigureOut">
               <a:rPr lang="en-US" smtClean="0"/>
-              <a:t>6/20/2025</a:t>
+              <a:t>7/3/25</a:t>
             </a:fld>
             <a:endParaRPr lang="en-US"/>
           </a:p>
@@ -3517,7 +3517,7 @@
           <a:p>
             <a:fld id="{04CB633A-E87A-6245-A329-A0CCD490BB75}" type="datetimeFigureOut">
               <a:rPr lang="en-US" smtClean="0"/>
-              <a:t>6/20/2025</a:t>
+              <a:t>7/3/25</a:t>
             </a:fld>
             <a:endParaRPr lang="en-US"/>
           </a:p>
@@ -3782,7 +3782,7 @@
           <a:p>
             <a:fld id="{04CB633A-E87A-6245-A329-A0CCD490BB75}" type="datetimeFigureOut">
               <a:rPr lang="en-US" smtClean="0"/>
-              <a:t>6/20/2025</a:t>
+              <a:t>7/3/25</a:t>
             </a:fld>
             <a:endParaRPr lang="en-US"/>
           </a:p>
@@ -4194,7 +4194,7 @@
           <a:p>
             <a:fld id="{04CB633A-E87A-6245-A329-A0CCD490BB75}" type="datetimeFigureOut">
               <a:rPr lang="en-US" smtClean="0"/>
-              <a:t>6/20/2025</a:t>
+              <a:t>7/3/25</a:t>
             </a:fld>
             <a:endParaRPr lang="en-US"/>
           </a:p>
@@ -4335,7 +4335,7 @@
           <a:p>
             <a:fld id="{04CB633A-E87A-6245-A329-A0CCD490BB75}" type="datetimeFigureOut">
               <a:rPr lang="en-US" smtClean="0"/>
-              <a:t>6/20/2025</a:t>
+              <a:t>7/3/25</a:t>
             </a:fld>
             <a:endParaRPr lang="en-US"/>
           </a:p>
@@ -4448,7 +4448,7 @@
           <a:p>
             <a:fld id="{04CB633A-E87A-6245-A329-A0CCD490BB75}" type="datetimeFigureOut">
               <a:rPr lang="en-US" smtClean="0"/>
-              <a:t>6/20/2025</a:t>
+              <a:t>7/3/25</a:t>
             </a:fld>
             <a:endParaRPr lang="en-US"/>
           </a:p>
@@ -4759,7 +4759,7 @@
           <a:p>
             <a:fld id="{04CB633A-E87A-6245-A329-A0CCD490BB75}" type="datetimeFigureOut">
               <a:rPr lang="en-US" smtClean="0"/>
-              <a:t>6/20/2025</a:t>
+              <a:t>7/3/25</a:t>
             </a:fld>
             <a:endParaRPr lang="en-US"/>
           </a:p>
@@ -5047,7 +5047,7 @@
           <a:p>
             <a:fld id="{04CB633A-E87A-6245-A329-A0CCD490BB75}" type="datetimeFigureOut">
               <a:rPr lang="en-US" smtClean="0"/>
-              <a:t>6/20/2025</a:t>
+              <a:t>7/3/25</a:t>
             </a:fld>
             <a:endParaRPr lang="en-US"/>
           </a:p>
@@ -5288,7 +5288,7 @@
           <a:p>
             <a:fld id="{04CB633A-E87A-6245-A329-A0CCD490BB75}" type="datetimeFigureOut">
               <a:rPr lang="en-US" smtClean="0"/>
-              <a:t>6/20/2025</a:t>
+              <a:t>7/3/25</a:t>
             </a:fld>
             <a:endParaRPr lang="en-US"/>
           </a:p>
@@ -12592,35 +12592,35 @@
           <a:lstStyle/>
           <a:p>
             <a:r>
-              <a:rPr lang="en-US" sz="1200" b="1">
+              <a:rPr lang="en-US" sz="1200" b="1" dirty="0">
                 <a:latin typeface="Arial" panose="020B0604020202020204" pitchFamily="34" charset="0"/>
                 <a:cs typeface="Arial" panose="020B0604020202020204" pitchFamily="34" charset="0"/>
               </a:rPr>
               <a:t>Table 1</a:t>
             </a:r>
             <a:r>
-              <a:rPr lang="en-US" sz="1200">
+              <a:rPr lang="en-US" sz="1200" dirty="0">
                 <a:latin typeface="Arial" panose="020B0604020202020204" pitchFamily="34" charset="0"/>
                 <a:cs typeface="Arial" panose="020B0604020202020204" pitchFamily="34" charset="0"/>
               </a:rPr>
               <a:t>. Indicator species for unburned, low, and high severity, with mean relative cover values. p-values = 0.05 &lt; </a:t>
             </a:r>
             <a:r>
-              <a:rPr lang="en-US" sz="1200" i="1" baseline="30000">
+              <a:rPr lang="en-US" sz="1200" i="1" baseline="30000" dirty="0">
                 <a:latin typeface="Arial" panose="020B0604020202020204" pitchFamily="34" charset="0"/>
                 <a:cs typeface="Arial" panose="020B0604020202020204" pitchFamily="34" charset="0"/>
               </a:rPr>
               <a:t>#</a:t>
             </a:r>
             <a:r>
-              <a:rPr lang="en-US" sz="1200" i="1">
+              <a:rPr lang="en-US" sz="1200" i="1" dirty="0">
                 <a:latin typeface="Arial" panose="020B0604020202020204" pitchFamily="34" charset="0"/>
                 <a:cs typeface="Arial" panose="020B0604020202020204" pitchFamily="34" charset="0"/>
               </a:rPr>
               <a:t>p</a:t>
             </a:r>
             <a:r>
-              <a:rPr lang="en-US" sz="1200">
+              <a:rPr lang="en-US" sz="1200" dirty="0">
                 <a:latin typeface="Arial" panose="020B0604020202020204" pitchFamily="34" charset="0"/>
                 <a:cs typeface="Arial" panose="020B0604020202020204" pitchFamily="34" charset="0"/>
               </a:rPr>
